--- a/docs/Презентация.pptx
+++ b/docs/Презентация.pptx
@@ -6,6 +6,14 @@
   </p:sldMasterIdLst>
   <p:sldIdLst>
     <p:sldId id="256" r:id="rId2"/>
+    <p:sldId id="257" r:id="rId3"/>
+    <p:sldId id="258" r:id="rId4"/>
+    <p:sldId id="262" r:id="rId5"/>
+    <p:sldId id="263" r:id="rId6"/>
+    <p:sldId id="259" r:id="rId7"/>
+    <p:sldId id="260" r:id="rId8"/>
+    <p:sldId id="261" r:id="rId9"/>
+    <p:sldId id="264" r:id="rId10"/>
   </p:sldIdLst>
   <p:sldSz cx="12192000" cy="6858000"/>
   <p:notesSz cx="6858000" cy="9144000"/>
@@ -104,6 +112,11 @@
       </a:defRPr>
     </a:lvl9pPr>
   </p:defaultTextStyle>
+  <p:extLst>
+    <p:ext uri="{EFAFB233-063F-42B5-8137-9DF3F51BA10A}">
+      <p15:sldGuideLst xmlns:p15="http://schemas.microsoft.com/office/powerpoint/2012/main"/>
+    </p:ext>
+  </p:extLst>
 </p:presentation>
 </file>
 
@@ -832,7 +845,7 @@
             <a:fld id="{B61BEF0D-F0BB-DE4B-95CE-6DB70DBA9567}" type="datetimeFigureOut">
               <a:rPr lang="en-US" dirty="0"/>
               <a:pPr/>
-              <a:t>8/7/2020</a:t>
+              <a:t>8/17/2020</a:t>
             </a:fld>
             <a:endParaRPr lang="en-US" dirty="0"/>
           </a:p>
@@ -1080,7 +1093,7 @@
             <a:fld id="{B61BEF0D-F0BB-DE4B-95CE-6DB70DBA9567}" type="datetimeFigureOut">
               <a:rPr lang="en-US" dirty="0"/>
               <a:pPr/>
-              <a:t>8/7/2020</a:t>
+              <a:t>8/17/2020</a:t>
             </a:fld>
             <a:endParaRPr lang="en-US" dirty="0"/>
           </a:p>
@@ -1391,7 +1404,7 @@
             <a:fld id="{B61BEF0D-F0BB-DE4B-95CE-6DB70DBA9567}" type="datetimeFigureOut">
               <a:rPr lang="en-US" dirty="0"/>
               <a:pPr/>
-              <a:t>8/7/2020</a:t>
+              <a:t>8/17/2020</a:t>
             </a:fld>
             <a:endParaRPr lang="en-US" dirty="0"/>
           </a:p>
@@ -1715,7 +1728,7 @@
             <a:fld id="{B61BEF0D-F0BB-DE4B-95CE-6DB70DBA9567}" type="datetimeFigureOut">
               <a:rPr lang="en-US" dirty="0"/>
               <a:pPr/>
-              <a:t>8/7/2020</a:t>
+              <a:t>8/17/2020</a:t>
             </a:fld>
             <a:endParaRPr lang="en-US" dirty="0"/>
           </a:p>
@@ -2026,7 +2039,7 @@
             <a:fld id="{B61BEF0D-F0BB-DE4B-95CE-6DB70DBA9567}" type="datetimeFigureOut">
               <a:rPr lang="en-US" dirty="0"/>
               <a:pPr/>
-              <a:t>8/7/2020</a:t>
+              <a:t>8/17/2020</a:t>
             </a:fld>
             <a:endParaRPr lang="en-US" dirty="0"/>
           </a:p>
@@ -2410,7 +2423,7 @@
             <a:fld id="{B61BEF0D-F0BB-DE4B-95CE-6DB70DBA9567}" type="datetimeFigureOut">
               <a:rPr lang="en-US" dirty="0"/>
               <a:pPr/>
-              <a:t>8/7/2020</a:t>
+              <a:t>8/17/2020</a:t>
             </a:fld>
             <a:endParaRPr lang="en-US" dirty="0"/>
           </a:p>
@@ -2576,7 +2589,7 @@
           <a:p>
             <a:fld id="{55C6B4A9-1611-4792-9094-5F34BCA07E0B}" type="datetimeFigureOut">
               <a:rPr lang="en-US" dirty="0"/>
-              <a:t>8/7/2020</a:t>
+              <a:t>8/17/2020</a:t>
             </a:fld>
             <a:endParaRPr lang="en-US" dirty="0"/>
           </a:p>
@@ -2752,7 +2765,7 @@
             <a:fld id="{B61BEF0D-F0BB-DE4B-95CE-6DB70DBA9567}" type="datetimeFigureOut">
               <a:rPr lang="en-US" dirty="0"/>
               <a:pPr/>
-              <a:t>8/7/2020</a:t>
+              <a:t>8/17/2020</a:t>
             </a:fld>
             <a:endParaRPr lang="en-US" dirty="0"/>
           </a:p>
@@ -2925,7 +2938,7 @@
             <a:fld id="{B61BEF0D-F0BB-DE4B-95CE-6DB70DBA9567}" type="datetimeFigureOut">
               <a:rPr lang="en-US" dirty="0"/>
               <a:pPr/>
-              <a:t>8/7/2020</a:t>
+              <a:t>8/17/2020</a:t>
             </a:fld>
             <a:endParaRPr lang="en-US" dirty="0"/>
           </a:p>
@@ -3169,7 +3182,7 @@
             <a:fld id="{B61BEF0D-F0BB-DE4B-95CE-6DB70DBA9567}" type="datetimeFigureOut">
               <a:rPr lang="en-US" dirty="0"/>
               <a:pPr/>
-              <a:t>8/7/2020</a:t>
+              <a:t>8/17/2020</a:t>
             </a:fld>
             <a:endParaRPr lang="en-US" dirty="0"/>
           </a:p>
@@ -3397,7 +3410,7 @@
           <a:p>
             <a:fld id="{EB712588-04B1-427B-82EE-E8DB90309F08}" type="datetimeFigureOut">
               <a:rPr lang="en-US" dirty="0"/>
-              <a:t>8/7/2020</a:t>
+              <a:t>8/17/2020</a:t>
             </a:fld>
             <a:endParaRPr lang="en-US" dirty="0"/>
           </a:p>
@@ -3767,7 +3780,7 @@
             <a:fld id="{B61BEF0D-F0BB-DE4B-95CE-6DB70DBA9567}" type="datetimeFigureOut">
               <a:rPr lang="en-US" dirty="0"/>
               <a:pPr/>
-              <a:t>8/7/2020</a:t>
+              <a:t>8/17/2020</a:t>
             </a:fld>
             <a:endParaRPr lang="en-US" dirty="0"/>
           </a:p>
@@ -3887,7 +3900,7 @@
             <a:fld id="{B61BEF0D-F0BB-DE4B-95CE-6DB70DBA9567}" type="datetimeFigureOut">
               <a:rPr lang="en-US" dirty="0"/>
               <a:pPr/>
-              <a:t>8/7/2020</a:t>
+              <a:t>8/17/2020</a:t>
             </a:fld>
             <a:endParaRPr lang="en-US" dirty="0"/>
           </a:p>
@@ -3979,7 +3992,7 @@
             <a:fld id="{B61BEF0D-F0BB-DE4B-95CE-6DB70DBA9567}" type="datetimeFigureOut">
               <a:rPr lang="en-US" dirty="0"/>
               <a:pPr/>
-              <a:t>8/7/2020</a:t>
+              <a:t>8/17/2020</a:t>
             </a:fld>
             <a:endParaRPr lang="en-US" dirty="0"/>
           </a:p>
@@ -4230,7 +4243,7 @@
           <a:p>
             <a:fld id="{42A54C80-263E-416B-A8E0-580EDEADCBDC}" type="datetimeFigureOut">
               <a:rPr lang="en-US" dirty="0"/>
-              <a:t>8/7/2020</a:t>
+              <a:t>8/17/2020</a:t>
             </a:fld>
             <a:endParaRPr lang="en-US" dirty="0"/>
           </a:p>
@@ -4489,7 +4502,7 @@
             <a:fld id="{B61BEF0D-F0BB-DE4B-95CE-6DB70DBA9567}" type="datetimeFigureOut">
               <a:rPr lang="en-US" dirty="0"/>
               <a:pPr/>
-              <a:t>8/7/2020</a:t>
+              <a:t>8/17/2020</a:t>
             </a:fld>
             <a:endParaRPr lang="en-US" dirty="0"/>
           </a:p>
@@ -5231,7 +5244,7 @@
             <a:fld id="{B61BEF0D-F0BB-DE4B-95CE-6DB70DBA9567}" type="datetimeFigureOut">
               <a:rPr lang="en-US" dirty="0"/>
               <a:pPr/>
-              <a:t>8/7/2020</a:t>
+              <a:t>8/17/2020</a:t>
             </a:fld>
             <a:endParaRPr lang="en-US" dirty="0"/>
           </a:p>
@@ -5763,8 +5776,8 @@
         </p:nvSpPr>
         <p:spPr>
           <a:xfrm>
-            <a:off x="1507067" y="2047087"/>
-            <a:ext cx="7766936" cy="1646302"/>
+            <a:off x="1507067" y="2110154"/>
+            <a:ext cx="7766936" cy="915020"/>
           </a:xfrm>
         </p:spPr>
         <p:txBody>
@@ -5805,25 +5818,112 @@
         </p:nvSpPr>
         <p:spPr>
           <a:xfrm>
-            <a:off x="1507067" y="4449843"/>
+            <a:off x="1507067" y="3768027"/>
             <a:ext cx="7766936" cy="1096899"/>
           </a:xfrm>
         </p:spPr>
         <p:txBody>
-          <a:bodyPr/>
-          <a:lstStyle/>
-          <a:p>
-            <a:r>
-              <a:rPr lang="ru-RU" dirty="0" smtClean="0"/>
+          <a:bodyPr>
+            <a:normAutofit/>
+          </a:bodyPr>
+          <a:lstStyle/>
+          <a:p>
+            <a:r>
+              <a:rPr lang="ru-RU" sz="2800" dirty="0" smtClean="0"/>
               <a:t>Студент ИС-17 </a:t>
             </a:r>
           </a:p>
           <a:p>
             <a:r>
-              <a:rPr lang="ru-RU" dirty="0" smtClean="0"/>
+              <a:rPr lang="ru-RU" sz="2800" dirty="0" smtClean="0"/>
               <a:t>Ивановский И.П.</a:t>
             </a:r>
-            <a:endParaRPr lang="ru-RU" dirty="0"/>
+            <a:endParaRPr lang="ru-RU" sz="2800" dirty="0"/>
+          </a:p>
+        </p:txBody>
+      </p:sp>
+      <p:pic>
+        <p:nvPicPr>
+          <p:cNvPr id="4" name="Picture 2" descr="frame"/>
+          <p:cNvPicPr>
+            <a:picLocks noChangeAspect="1" noChangeArrowheads="1"/>
+          </p:cNvPicPr>
+          <p:nvPr/>
+        </p:nvPicPr>
+        <p:blipFill>
+          <a:blip r:embed="rId2">
+            <a:extLst>
+              <a:ext uri="{28A0092B-C50C-407E-A947-70E740481C1C}">
+                <a14:useLocalDpi xmlns:a14="http://schemas.microsoft.com/office/drawing/2010/main" val="0"/>
+              </a:ext>
+            </a:extLst>
+          </a:blip>
+          <a:srcRect/>
+          <a:stretch>
+            <a:fillRect/>
+          </a:stretch>
+        </p:blipFill>
+        <p:spPr bwMode="auto">
+          <a:xfrm>
+            <a:off x="1030084" y="3283014"/>
+            <a:ext cx="1657350" cy="2066925"/>
+          </a:xfrm>
+          <a:prstGeom prst="rect">
+            <a:avLst/>
+          </a:prstGeom>
+          <a:noFill/>
+          <a:ln>
+            <a:noFill/>
+          </a:ln>
+          <a:extLst>
+            <a:ext uri="{909E8E84-426E-40DD-AFC4-6F175D3DCCD1}">
+              <a14:hiddenFill xmlns:a14="http://schemas.microsoft.com/office/drawing/2010/main">
+                <a:solidFill>
+                  <a:srgbClr val="FFFFFF"/>
+                </a:solidFill>
+              </a14:hiddenFill>
+            </a:ext>
+            <a:ext uri="{91240B29-F687-4F45-9708-019B960494DF}">
+              <a14:hiddenLine xmlns:a14="http://schemas.microsoft.com/office/drawing/2010/main" w="9525">
+                <a:solidFill>
+                  <a:srgbClr val="000000"/>
+                </a:solidFill>
+                <a:miter lim="800000"/>
+                <a:headEnd/>
+                <a:tailEnd/>
+              </a14:hiddenLine>
+            </a:ext>
+          </a:extLst>
+        </p:spPr>
+      </p:pic>
+      <p:sp>
+        <p:nvSpPr>
+          <p:cNvPr id="5" name="Прямоугольник 4"/>
+          <p:cNvSpPr/>
+          <p:nvPr/>
+        </p:nvSpPr>
+        <p:spPr>
+          <a:xfrm>
+            <a:off x="1030084" y="5349939"/>
+            <a:ext cx="8243919" cy="707886"/>
+          </a:xfrm>
+          <a:prstGeom prst="rect">
+            <a:avLst/>
+          </a:prstGeom>
+        </p:spPr>
+        <p:txBody>
+          <a:bodyPr wrap="square">
+            <a:spAutoFit/>
+          </a:bodyPr>
+          <a:lstStyle/>
+          <a:p>
+            <a:r>
+              <a:rPr lang="en-US" sz="4000" dirty="0">
+                <a:hlinkClick r:id="rId3"/>
+              </a:rPr>
+              <a:t>https://vuecrm200711.web.app/</a:t>
+            </a:r>
+            <a:endParaRPr lang="ru-RU" sz="4000" dirty="0"/>
           </a:p>
         </p:txBody>
       </p:sp>
@@ -5831,6 +5931,438 @@
     <p:extLst>
       <p:ext uri="{BB962C8B-B14F-4D97-AF65-F5344CB8AC3E}">
         <p14:creationId xmlns:p14="http://schemas.microsoft.com/office/powerpoint/2010/main" val="2681796543"/>
+      </p:ext>
+    </p:extLst>
+  </p:cSld>
+  <p:clrMapOvr>
+    <a:masterClrMapping/>
+  </p:clrMapOvr>
+</p:sld>
+</file>
+
+<file path=ppt/slides/slide2.xml><?xml version="1.0" encoding="utf-8"?>
+<p:sld xmlns:a="http://schemas.openxmlformats.org/drawingml/2006/main" xmlns:r="http://schemas.openxmlformats.org/officeDocument/2006/relationships" xmlns:p="http://schemas.openxmlformats.org/presentationml/2006/main">
+  <p:cSld>
+    <p:spTree>
+      <p:nvGrpSpPr>
+        <p:cNvPr id="1" name=""/>
+        <p:cNvGrpSpPr/>
+        <p:nvPr/>
+      </p:nvGrpSpPr>
+      <p:grpSpPr>
+        <a:xfrm>
+          <a:off x="0" y="0"/>
+          <a:ext cx="0" cy="0"/>
+          <a:chOff x="0" y="0"/>
+          <a:chExt cx="0" cy="0"/>
+        </a:xfrm>
+      </p:grpSpPr>
+      <p:pic>
+        <p:nvPicPr>
+          <p:cNvPr id="5" name="Рисунок 4"/>
+          <p:cNvPicPr>
+            <a:picLocks noChangeAspect="1"/>
+          </p:cNvPicPr>
+          <p:nvPr/>
+        </p:nvPicPr>
+        <p:blipFill>
+          <a:blip r:embed="rId2"/>
+          <a:stretch>
+            <a:fillRect/>
+          </a:stretch>
+        </p:blipFill>
+        <p:spPr>
+          <a:xfrm>
+            <a:off x="0" y="676893"/>
+            <a:ext cx="12192000" cy="5429478"/>
+          </a:xfrm>
+          <a:prstGeom prst="rect">
+            <a:avLst/>
+          </a:prstGeom>
+        </p:spPr>
+      </p:pic>
+    </p:spTree>
+    <p:extLst>
+      <p:ext uri="{BB962C8B-B14F-4D97-AF65-F5344CB8AC3E}">
+        <p14:creationId xmlns:p14="http://schemas.microsoft.com/office/powerpoint/2010/main" val="2891521941"/>
+      </p:ext>
+    </p:extLst>
+  </p:cSld>
+  <p:clrMapOvr>
+    <a:masterClrMapping/>
+  </p:clrMapOvr>
+</p:sld>
+</file>
+
+<file path=ppt/slides/slide3.xml><?xml version="1.0" encoding="utf-8"?>
+<p:sld xmlns:a="http://schemas.openxmlformats.org/drawingml/2006/main" xmlns:r="http://schemas.openxmlformats.org/officeDocument/2006/relationships" xmlns:p="http://schemas.openxmlformats.org/presentationml/2006/main">
+  <p:cSld>
+    <p:spTree>
+      <p:nvGrpSpPr>
+        <p:cNvPr id="1" name=""/>
+        <p:cNvGrpSpPr/>
+        <p:nvPr/>
+      </p:nvGrpSpPr>
+      <p:grpSpPr>
+        <a:xfrm>
+          <a:off x="0" y="0"/>
+          <a:ext cx="0" cy="0"/>
+          <a:chOff x="0" y="0"/>
+          <a:chExt cx="0" cy="0"/>
+        </a:xfrm>
+      </p:grpSpPr>
+      <p:pic>
+        <p:nvPicPr>
+          <p:cNvPr id="4" name="Рисунок 3"/>
+          <p:cNvPicPr>
+            <a:picLocks noChangeAspect="1"/>
+          </p:cNvPicPr>
+          <p:nvPr/>
+        </p:nvPicPr>
+        <p:blipFill>
+          <a:blip r:embed="rId2"/>
+          <a:stretch>
+            <a:fillRect/>
+          </a:stretch>
+        </p:blipFill>
+        <p:spPr>
+          <a:xfrm>
+            <a:off x="581890" y="0"/>
+            <a:ext cx="10988485" cy="6858000"/>
+          </a:xfrm>
+          <a:prstGeom prst="rect">
+            <a:avLst/>
+          </a:prstGeom>
+        </p:spPr>
+      </p:pic>
+    </p:spTree>
+    <p:extLst>
+      <p:ext uri="{BB962C8B-B14F-4D97-AF65-F5344CB8AC3E}">
+        <p14:creationId xmlns:p14="http://schemas.microsoft.com/office/powerpoint/2010/main" val="4061756183"/>
+      </p:ext>
+    </p:extLst>
+  </p:cSld>
+  <p:clrMapOvr>
+    <a:masterClrMapping/>
+  </p:clrMapOvr>
+</p:sld>
+</file>
+
+<file path=ppt/slides/slide4.xml><?xml version="1.0" encoding="utf-8"?>
+<p:sld xmlns:a="http://schemas.openxmlformats.org/drawingml/2006/main" xmlns:r="http://schemas.openxmlformats.org/officeDocument/2006/relationships" xmlns:p="http://schemas.openxmlformats.org/presentationml/2006/main">
+  <p:cSld>
+    <p:spTree>
+      <p:nvGrpSpPr>
+        <p:cNvPr id="1" name=""/>
+        <p:cNvGrpSpPr/>
+        <p:nvPr/>
+      </p:nvGrpSpPr>
+      <p:grpSpPr>
+        <a:xfrm>
+          <a:off x="0" y="0"/>
+          <a:ext cx="0" cy="0"/>
+          <a:chOff x="0" y="0"/>
+          <a:chExt cx="0" cy="0"/>
+        </a:xfrm>
+      </p:grpSpPr>
+      <p:pic>
+        <p:nvPicPr>
+          <p:cNvPr id="4" name="Рисунок 3"/>
+          <p:cNvPicPr>
+            <a:picLocks noChangeAspect="1"/>
+          </p:cNvPicPr>
+          <p:nvPr/>
+        </p:nvPicPr>
+        <p:blipFill>
+          <a:blip r:embed="rId2"/>
+          <a:stretch>
+            <a:fillRect/>
+          </a:stretch>
+        </p:blipFill>
+        <p:spPr>
+          <a:xfrm>
+            <a:off x="914400" y="0"/>
+            <a:ext cx="10060556" cy="6858000"/>
+          </a:xfrm>
+          <a:prstGeom prst="rect">
+            <a:avLst/>
+          </a:prstGeom>
+        </p:spPr>
+      </p:pic>
+    </p:spTree>
+    <p:extLst>
+      <p:ext uri="{BB962C8B-B14F-4D97-AF65-F5344CB8AC3E}">
+        <p14:creationId xmlns:p14="http://schemas.microsoft.com/office/powerpoint/2010/main" val="4020137756"/>
+      </p:ext>
+    </p:extLst>
+  </p:cSld>
+  <p:clrMapOvr>
+    <a:masterClrMapping/>
+  </p:clrMapOvr>
+</p:sld>
+</file>
+
+<file path=ppt/slides/slide5.xml><?xml version="1.0" encoding="utf-8"?>
+<p:sld xmlns:a="http://schemas.openxmlformats.org/drawingml/2006/main" xmlns:r="http://schemas.openxmlformats.org/officeDocument/2006/relationships" xmlns:p="http://schemas.openxmlformats.org/presentationml/2006/main">
+  <p:cSld>
+    <p:spTree>
+      <p:nvGrpSpPr>
+        <p:cNvPr id="1" name=""/>
+        <p:cNvGrpSpPr/>
+        <p:nvPr/>
+      </p:nvGrpSpPr>
+      <p:grpSpPr>
+        <a:xfrm>
+          <a:off x="0" y="0"/>
+          <a:ext cx="0" cy="0"/>
+          <a:chOff x="0" y="0"/>
+          <a:chExt cx="0" cy="0"/>
+        </a:xfrm>
+      </p:grpSpPr>
+      <p:pic>
+        <p:nvPicPr>
+          <p:cNvPr id="4" name="Рисунок 3"/>
+          <p:cNvPicPr>
+            <a:picLocks noChangeAspect="1"/>
+          </p:cNvPicPr>
+          <p:nvPr/>
+        </p:nvPicPr>
+        <p:blipFill>
+          <a:blip r:embed="rId2"/>
+          <a:stretch>
+            <a:fillRect/>
+          </a:stretch>
+        </p:blipFill>
+        <p:spPr>
+          <a:xfrm>
+            <a:off x="1" y="551592"/>
+            <a:ext cx="12192000" cy="5707312"/>
+          </a:xfrm>
+          <a:prstGeom prst="rect">
+            <a:avLst/>
+          </a:prstGeom>
+        </p:spPr>
+      </p:pic>
+    </p:spTree>
+    <p:extLst>
+      <p:ext uri="{BB962C8B-B14F-4D97-AF65-F5344CB8AC3E}">
+        <p14:creationId xmlns:p14="http://schemas.microsoft.com/office/powerpoint/2010/main" val="1531232203"/>
+      </p:ext>
+    </p:extLst>
+  </p:cSld>
+  <p:clrMapOvr>
+    <a:masterClrMapping/>
+  </p:clrMapOvr>
+</p:sld>
+</file>
+
+<file path=ppt/slides/slide6.xml><?xml version="1.0" encoding="utf-8"?>
+<p:sld xmlns:a="http://schemas.openxmlformats.org/drawingml/2006/main" xmlns:r="http://schemas.openxmlformats.org/officeDocument/2006/relationships" xmlns:p="http://schemas.openxmlformats.org/presentationml/2006/main">
+  <p:cSld>
+    <p:spTree>
+      <p:nvGrpSpPr>
+        <p:cNvPr id="1" name=""/>
+        <p:cNvGrpSpPr/>
+        <p:nvPr/>
+      </p:nvGrpSpPr>
+      <p:grpSpPr>
+        <a:xfrm>
+          <a:off x="0" y="0"/>
+          <a:ext cx="0" cy="0"/>
+          <a:chOff x="0" y="0"/>
+          <a:chExt cx="0" cy="0"/>
+        </a:xfrm>
+      </p:grpSpPr>
+      <p:pic>
+        <p:nvPicPr>
+          <p:cNvPr id="4" name="Рисунок 3"/>
+          <p:cNvPicPr>
+            <a:picLocks noChangeAspect="1"/>
+          </p:cNvPicPr>
+          <p:nvPr/>
+        </p:nvPicPr>
+        <p:blipFill>
+          <a:blip r:embed="rId2"/>
+          <a:stretch>
+            <a:fillRect/>
+          </a:stretch>
+        </p:blipFill>
+        <p:spPr>
+          <a:xfrm>
+            <a:off x="0" y="529151"/>
+            <a:ext cx="12192000" cy="5799700"/>
+          </a:xfrm>
+          <a:prstGeom prst="rect">
+            <a:avLst/>
+          </a:prstGeom>
+        </p:spPr>
+      </p:pic>
+    </p:spTree>
+    <p:extLst>
+      <p:ext uri="{BB962C8B-B14F-4D97-AF65-F5344CB8AC3E}">
+        <p14:creationId xmlns:p14="http://schemas.microsoft.com/office/powerpoint/2010/main" val="306293117"/>
+      </p:ext>
+    </p:extLst>
+  </p:cSld>
+  <p:clrMapOvr>
+    <a:masterClrMapping/>
+  </p:clrMapOvr>
+</p:sld>
+</file>
+
+<file path=ppt/slides/slide7.xml><?xml version="1.0" encoding="utf-8"?>
+<p:sld xmlns:a="http://schemas.openxmlformats.org/drawingml/2006/main" xmlns:r="http://schemas.openxmlformats.org/officeDocument/2006/relationships" xmlns:p="http://schemas.openxmlformats.org/presentationml/2006/main">
+  <p:cSld>
+    <p:spTree>
+      <p:nvGrpSpPr>
+        <p:cNvPr id="1" name=""/>
+        <p:cNvGrpSpPr/>
+        <p:nvPr/>
+      </p:nvGrpSpPr>
+      <p:grpSpPr>
+        <a:xfrm>
+          <a:off x="0" y="0"/>
+          <a:ext cx="0" cy="0"/>
+          <a:chOff x="0" y="0"/>
+          <a:chExt cx="0" cy="0"/>
+        </a:xfrm>
+      </p:grpSpPr>
+      <p:pic>
+        <p:nvPicPr>
+          <p:cNvPr id="4" name="Рисунок 3"/>
+          <p:cNvPicPr>
+            <a:picLocks noChangeAspect="1"/>
+          </p:cNvPicPr>
+          <p:nvPr/>
+        </p:nvPicPr>
+        <p:blipFill>
+          <a:blip r:embed="rId2"/>
+          <a:stretch>
+            <a:fillRect/>
+          </a:stretch>
+        </p:blipFill>
+        <p:spPr>
+          <a:xfrm>
+            <a:off x="0" y="1080653"/>
+            <a:ext cx="12192000" cy="4735203"/>
+          </a:xfrm>
+          <a:prstGeom prst="rect">
+            <a:avLst/>
+          </a:prstGeom>
+        </p:spPr>
+      </p:pic>
+    </p:spTree>
+    <p:extLst>
+      <p:ext uri="{BB962C8B-B14F-4D97-AF65-F5344CB8AC3E}">
+        <p14:creationId xmlns:p14="http://schemas.microsoft.com/office/powerpoint/2010/main" val="233795296"/>
+      </p:ext>
+    </p:extLst>
+  </p:cSld>
+  <p:clrMapOvr>
+    <a:masterClrMapping/>
+  </p:clrMapOvr>
+</p:sld>
+</file>
+
+<file path=ppt/slides/slide8.xml><?xml version="1.0" encoding="utf-8"?>
+<p:sld xmlns:a="http://schemas.openxmlformats.org/drawingml/2006/main" xmlns:r="http://schemas.openxmlformats.org/officeDocument/2006/relationships" xmlns:p="http://schemas.openxmlformats.org/presentationml/2006/main">
+  <p:cSld>
+    <p:spTree>
+      <p:nvGrpSpPr>
+        <p:cNvPr id="1" name=""/>
+        <p:cNvGrpSpPr/>
+        <p:nvPr/>
+      </p:nvGrpSpPr>
+      <p:grpSpPr>
+        <a:xfrm>
+          <a:off x="0" y="0"/>
+          <a:ext cx="0" cy="0"/>
+          <a:chOff x="0" y="0"/>
+          <a:chExt cx="0" cy="0"/>
+        </a:xfrm>
+      </p:grpSpPr>
+      <p:pic>
+        <p:nvPicPr>
+          <p:cNvPr id="5" name="Рисунок 4"/>
+          <p:cNvPicPr>
+            <a:picLocks noChangeAspect="1"/>
+          </p:cNvPicPr>
+          <p:nvPr/>
+        </p:nvPicPr>
+        <p:blipFill>
+          <a:blip r:embed="rId2"/>
+          <a:stretch>
+            <a:fillRect/>
+          </a:stretch>
+        </p:blipFill>
+        <p:spPr>
+          <a:xfrm>
+            <a:off x="0" y="723444"/>
+            <a:ext cx="12192000" cy="5411111"/>
+          </a:xfrm>
+          <a:prstGeom prst="rect">
+            <a:avLst/>
+          </a:prstGeom>
+        </p:spPr>
+      </p:pic>
+    </p:spTree>
+    <p:extLst>
+      <p:ext uri="{BB962C8B-B14F-4D97-AF65-F5344CB8AC3E}">
+        <p14:creationId xmlns:p14="http://schemas.microsoft.com/office/powerpoint/2010/main" val="3448260796"/>
+      </p:ext>
+    </p:extLst>
+  </p:cSld>
+  <p:clrMapOvr>
+    <a:masterClrMapping/>
+  </p:clrMapOvr>
+</p:sld>
+</file>
+
+<file path=ppt/slides/slide9.xml><?xml version="1.0" encoding="utf-8"?>
+<p:sld xmlns:a="http://schemas.openxmlformats.org/drawingml/2006/main" xmlns:r="http://schemas.openxmlformats.org/officeDocument/2006/relationships" xmlns:p="http://schemas.openxmlformats.org/presentationml/2006/main">
+  <p:cSld>
+    <p:spTree>
+      <p:nvGrpSpPr>
+        <p:cNvPr id="1" name=""/>
+        <p:cNvGrpSpPr/>
+        <p:nvPr/>
+      </p:nvGrpSpPr>
+      <p:grpSpPr>
+        <a:xfrm>
+          <a:off x="0" y="0"/>
+          <a:ext cx="0" cy="0"/>
+          <a:chOff x="0" y="0"/>
+          <a:chExt cx="0" cy="0"/>
+        </a:xfrm>
+      </p:grpSpPr>
+      <p:pic>
+        <p:nvPicPr>
+          <p:cNvPr id="4" name="Рисунок 3"/>
+          <p:cNvPicPr>
+            <a:picLocks noChangeAspect="1"/>
+          </p:cNvPicPr>
+          <p:nvPr/>
+        </p:nvPicPr>
+        <p:blipFill>
+          <a:blip r:embed="rId2"/>
+          <a:stretch>
+            <a:fillRect/>
+          </a:stretch>
+        </p:blipFill>
+        <p:spPr>
+          <a:xfrm>
+            <a:off x="0" y="598033"/>
+            <a:ext cx="12192000" cy="5525871"/>
+          </a:xfrm>
+          <a:prstGeom prst="rect">
+            <a:avLst/>
+          </a:prstGeom>
+        </p:spPr>
+      </p:pic>
+    </p:spTree>
+    <p:extLst>
+      <p:ext uri="{BB962C8B-B14F-4D97-AF65-F5344CB8AC3E}">
+        <p14:creationId xmlns:p14="http://schemas.microsoft.com/office/powerpoint/2010/main" val="2236535558"/>
       </p:ext>
     </p:extLst>
   </p:cSld>
